--- a/design/系统结构层次图.pptx
+++ b/design/系统结构层次图.pptx
@@ -288,6 +288,7 @@
           <a:p>
             <a:fld id="{A17D8335-FA98-42E6-A9DE-0FF7FE21EB0A}" type="datetimeFigureOut">
               <a:rPr lang="zh-CN" altLang="en-US" smtClean="0"/>
+              <a:pPr/>
               <a:t>2018/2/6</a:t>
             </a:fld>
             <a:endParaRPr lang="zh-CN" altLang="en-US"/>
@@ -330,6 +331,7 @@
           <a:p>
             <a:fld id="{E91DC1BE-8EF8-4240-95AD-E19E286EB4B3}" type="slidenum">
               <a:rPr lang="zh-CN" altLang="en-US" smtClean="0"/>
+              <a:pPr/>
               <a:t>‹#›</a:t>
             </a:fld>
             <a:endParaRPr lang="zh-CN" altLang="en-US"/>
@@ -453,6 +455,7 @@
           <a:p>
             <a:fld id="{A17D8335-FA98-42E6-A9DE-0FF7FE21EB0A}" type="datetimeFigureOut">
               <a:rPr lang="zh-CN" altLang="en-US" smtClean="0"/>
+              <a:pPr/>
               <a:t>2018/2/6</a:t>
             </a:fld>
             <a:endParaRPr lang="zh-CN" altLang="en-US"/>
@@ -495,6 +498,7 @@
           <a:p>
             <a:fld id="{E91DC1BE-8EF8-4240-95AD-E19E286EB4B3}" type="slidenum">
               <a:rPr lang="zh-CN" altLang="en-US" smtClean="0"/>
+              <a:pPr/>
               <a:t>‹#›</a:t>
             </a:fld>
             <a:endParaRPr lang="zh-CN" altLang="en-US"/>
@@ -628,6 +632,7 @@
           <a:p>
             <a:fld id="{A17D8335-FA98-42E6-A9DE-0FF7FE21EB0A}" type="datetimeFigureOut">
               <a:rPr lang="zh-CN" altLang="en-US" smtClean="0"/>
+              <a:pPr/>
               <a:t>2018/2/6</a:t>
             </a:fld>
             <a:endParaRPr lang="zh-CN" altLang="en-US"/>
@@ -670,6 +675,7 @@
           <a:p>
             <a:fld id="{E91DC1BE-8EF8-4240-95AD-E19E286EB4B3}" type="slidenum">
               <a:rPr lang="zh-CN" altLang="en-US" smtClean="0"/>
+              <a:pPr/>
               <a:t>‹#›</a:t>
             </a:fld>
             <a:endParaRPr lang="zh-CN" altLang="en-US"/>
@@ -793,6 +799,7 @@
           <a:p>
             <a:fld id="{A17D8335-FA98-42E6-A9DE-0FF7FE21EB0A}" type="datetimeFigureOut">
               <a:rPr lang="zh-CN" altLang="en-US" smtClean="0"/>
+              <a:pPr/>
               <a:t>2018/2/6</a:t>
             </a:fld>
             <a:endParaRPr lang="zh-CN" altLang="en-US"/>
@@ -835,6 +842,7 @@
           <a:p>
             <a:fld id="{E91DC1BE-8EF8-4240-95AD-E19E286EB4B3}" type="slidenum">
               <a:rPr lang="zh-CN" altLang="en-US" smtClean="0"/>
+              <a:pPr/>
               <a:t>‹#›</a:t>
             </a:fld>
             <a:endParaRPr lang="zh-CN" altLang="en-US"/>
@@ -1034,6 +1042,7 @@
           <a:p>
             <a:fld id="{A17D8335-FA98-42E6-A9DE-0FF7FE21EB0A}" type="datetimeFigureOut">
               <a:rPr lang="zh-CN" altLang="en-US" smtClean="0"/>
+              <a:pPr/>
               <a:t>2018/2/6</a:t>
             </a:fld>
             <a:endParaRPr lang="zh-CN" altLang="en-US"/>
@@ -1076,6 +1085,7 @@
           <a:p>
             <a:fld id="{E91DC1BE-8EF8-4240-95AD-E19E286EB4B3}" type="slidenum">
               <a:rPr lang="zh-CN" altLang="en-US" smtClean="0"/>
+              <a:pPr/>
               <a:t>‹#›</a:t>
             </a:fld>
             <a:endParaRPr lang="zh-CN" altLang="en-US"/>
@@ -1317,6 +1327,7 @@
           <a:p>
             <a:fld id="{A17D8335-FA98-42E6-A9DE-0FF7FE21EB0A}" type="datetimeFigureOut">
               <a:rPr lang="zh-CN" altLang="en-US" smtClean="0"/>
+              <a:pPr/>
               <a:t>2018/2/6</a:t>
             </a:fld>
             <a:endParaRPr lang="zh-CN" altLang="en-US"/>
@@ -1359,6 +1370,7 @@
           <a:p>
             <a:fld id="{E91DC1BE-8EF8-4240-95AD-E19E286EB4B3}" type="slidenum">
               <a:rPr lang="zh-CN" altLang="en-US" smtClean="0"/>
+              <a:pPr/>
               <a:t>‹#›</a:t>
             </a:fld>
             <a:endParaRPr lang="zh-CN" altLang="en-US"/>
@@ -1734,6 +1746,7 @@
           <a:p>
             <a:fld id="{A17D8335-FA98-42E6-A9DE-0FF7FE21EB0A}" type="datetimeFigureOut">
               <a:rPr lang="zh-CN" altLang="en-US" smtClean="0"/>
+              <a:pPr/>
               <a:t>2018/2/6</a:t>
             </a:fld>
             <a:endParaRPr lang="zh-CN" altLang="en-US"/>
@@ -1776,6 +1789,7 @@
           <a:p>
             <a:fld id="{E91DC1BE-8EF8-4240-95AD-E19E286EB4B3}" type="slidenum">
               <a:rPr lang="zh-CN" altLang="en-US" smtClean="0"/>
+              <a:pPr/>
               <a:t>‹#›</a:t>
             </a:fld>
             <a:endParaRPr lang="zh-CN" altLang="en-US"/>
@@ -1847,6 +1861,7 @@
           <a:p>
             <a:fld id="{A17D8335-FA98-42E6-A9DE-0FF7FE21EB0A}" type="datetimeFigureOut">
               <a:rPr lang="zh-CN" altLang="en-US" smtClean="0"/>
+              <a:pPr/>
               <a:t>2018/2/6</a:t>
             </a:fld>
             <a:endParaRPr lang="zh-CN" altLang="en-US"/>
@@ -1889,6 +1904,7 @@
           <a:p>
             <a:fld id="{E91DC1BE-8EF8-4240-95AD-E19E286EB4B3}" type="slidenum">
               <a:rPr lang="zh-CN" altLang="en-US" smtClean="0"/>
+              <a:pPr/>
               <a:t>‹#›</a:t>
             </a:fld>
             <a:endParaRPr lang="zh-CN" altLang="en-US"/>
@@ -1937,6 +1953,7 @@
           <a:p>
             <a:fld id="{A17D8335-FA98-42E6-A9DE-0FF7FE21EB0A}" type="datetimeFigureOut">
               <a:rPr lang="zh-CN" altLang="en-US" smtClean="0"/>
+              <a:pPr/>
               <a:t>2018/2/6</a:t>
             </a:fld>
             <a:endParaRPr lang="zh-CN" altLang="en-US"/>
@@ -1979,6 +1996,7 @@
           <a:p>
             <a:fld id="{E91DC1BE-8EF8-4240-95AD-E19E286EB4B3}" type="slidenum">
               <a:rPr lang="zh-CN" altLang="en-US" smtClean="0"/>
+              <a:pPr/>
               <a:t>‹#›</a:t>
             </a:fld>
             <a:endParaRPr lang="zh-CN" altLang="en-US"/>
@@ -2209,6 +2227,7 @@
           <a:p>
             <a:fld id="{A17D8335-FA98-42E6-A9DE-0FF7FE21EB0A}" type="datetimeFigureOut">
               <a:rPr lang="zh-CN" altLang="en-US" smtClean="0"/>
+              <a:pPr/>
               <a:t>2018/2/6</a:t>
             </a:fld>
             <a:endParaRPr lang="zh-CN" altLang="en-US"/>
@@ -2251,6 +2270,7 @@
           <a:p>
             <a:fld id="{E91DC1BE-8EF8-4240-95AD-E19E286EB4B3}" type="slidenum">
               <a:rPr lang="zh-CN" altLang="en-US" smtClean="0"/>
+              <a:pPr/>
               <a:t>‹#›</a:t>
             </a:fld>
             <a:endParaRPr lang="zh-CN" altLang="en-US"/>
@@ -2457,6 +2477,7 @@
           <a:p>
             <a:fld id="{A17D8335-FA98-42E6-A9DE-0FF7FE21EB0A}" type="datetimeFigureOut">
               <a:rPr lang="zh-CN" altLang="en-US" smtClean="0"/>
+              <a:pPr/>
               <a:t>2018/2/6</a:t>
             </a:fld>
             <a:endParaRPr lang="zh-CN" altLang="en-US"/>
@@ -2499,6 +2520,7 @@
           <a:p>
             <a:fld id="{E91DC1BE-8EF8-4240-95AD-E19E286EB4B3}" type="slidenum">
               <a:rPr lang="zh-CN" altLang="en-US" smtClean="0"/>
+              <a:pPr/>
               <a:t>‹#›</a:t>
             </a:fld>
             <a:endParaRPr lang="zh-CN" altLang="en-US"/>
@@ -2665,6 +2687,7 @@
           <a:p>
             <a:fld id="{A17D8335-FA98-42E6-A9DE-0FF7FE21EB0A}" type="datetimeFigureOut">
               <a:rPr lang="zh-CN" altLang="en-US" smtClean="0"/>
+              <a:pPr/>
               <a:t>2018/2/6</a:t>
             </a:fld>
             <a:endParaRPr lang="zh-CN" altLang="en-US"/>
@@ -2743,6 +2766,7 @@
           <a:p>
             <a:fld id="{E91DC1BE-8EF8-4240-95AD-E19E286EB4B3}" type="slidenum">
               <a:rPr lang="zh-CN" altLang="en-US" smtClean="0"/>
+              <a:pPr/>
               <a:t>‹#›</a:t>
             </a:fld>
             <a:endParaRPr lang="zh-CN" altLang="en-US"/>
@@ -3175,11 +3199,7 @@
             <a:pPr algn="ctr"/>
             <a:r>
               <a:rPr lang="en-US" altLang="zh-CN" dirty="0" smtClean="0"/>
-              <a:t>client-</a:t>
-            </a:r>
-            <a:r>
-              <a:rPr lang="en-US" altLang="zh-CN" dirty="0" smtClean="0"/>
-              <a:t>handle</a:t>
+              <a:t>client-handle</a:t>
             </a:r>
             <a:endParaRPr lang="zh-CN" altLang="en-US" dirty="0"/>
           </a:p>
@@ -3272,11 +3292,11 @@
             <a:pPr algn="ctr"/>
             <a:r>
               <a:rPr lang="en-US" altLang="zh-CN" dirty="0" smtClean="0"/>
-              <a:t>Protocol-</a:t>
+              <a:t>p</a:t>
             </a:r>
             <a:r>
               <a:rPr lang="en-US" altLang="zh-CN" dirty="0" smtClean="0"/>
-              <a:t>proxy</a:t>
+              <a:t>rotocol-proxy</a:t>
             </a:r>
             <a:endParaRPr lang="zh-CN" altLang="en-US" dirty="0"/>
           </a:p>
@@ -3469,8 +3489,12 @@
           <a:p>
             <a:pPr algn="ctr"/>
             <a:r>
-              <a:rPr lang="en-US" altLang="zh-CN" dirty="0" err="1" smtClean="0"/>
-              <a:t>clientRemote</a:t>
+              <a:rPr lang="en-US" altLang="zh-CN" dirty="0" smtClean="0"/>
+              <a:t>c</a:t>
+            </a:r>
+            <a:r>
+              <a:rPr lang="en-US" altLang="zh-CN" dirty="0" smtClean="0"/>
+              <a:t>lient-remote</a:t>
             </a:r>
             <a:endParaRPr lang="zh-CN" altLang="en-US" dirty="0"/>
           </a:p>
@@ -3516,8 +3540,12 @@
           <a:p>
             <a:pPr algn="ctr"/>
             <a:r>
-              <a:rPr lang="en-US" altLang="zh-CN" dirty="0" err="1" smtClean="0"/>
-              <a:t>serverRemote</a:t>
+              <a:rPr lang="en-US" altLang="zh-CN" dirty="0" smtClean="0"/>
+              <a:t>s</a:t>
+            </a:r>
+            <a:r>
+              <a:rPr lang="en-US" altLang="zh-CN" dirty="0" smtClean="0"/>
+              <a:t>erver-remote</a:t>
             </a:r>
             <a:endParaRPr lang="zh-CN" altLang="en-US" dirty="0"/>
           </a:p>
@@ -3566,7 +3594,11 @@
             <a:pPr algn="ctr"/>
             <a:r>
               <a:rPr lang="en-US" altLang="zh-CN" dirty="0" smtClean="0"/>
-              <a:t>Service-protocol</a:t>
+              <a:t>s</a:t>
+            </a:r>
+            <a:r>
+              <a:rPr lang="en-US" altLang="zh-CN" dirty="0" smtClean="0"/>
+              <a:t>ervice-protocol</a:t>
             </a:r>
             <a:endParaRPr lang="zh-CN" altLang="en-US" dirty="0"/>
           </a:p>
@@ -3613,11 +3645,7 @@
             <a:pPr algn="ctr"/>
             <a:r>
               <a:rPr lang="en-US" altLang="zh-CN" dirty="0" smtClean="0"/>
-              <a:t>server-</a:t>
-            </a:r>
-            <a:r>
-              <a:rPr lang="en-US" altLang="zh-CN" dirty="0" smtClean="0"/>
-              <a:t>handle</a:t>
+              <a:t>server-handle</a:t>
             </a:r>
             <a:endParaRPr lang="zh-CN" altLang="en-US" dirty="0"/>
           </a:p>
